--- a/Whiteboard design session/WDS trainer presentation - Real-time data with Azure Database for PostgreSQL Hyperscale.pptx
+++ b/Whiteboard design session/WDS trainer presentation - Real-time data with Azure Database for PostgreSQL Hyperscale.pptx
@@ -232,7 +232,7 @@
           <a:p>
             <a:fld id="{52A13B17-C506-4D51-BB37-16B365906619}" type="datetimeFigureOut">
               <a:rPr lang="en-US" smtClean="0"/>
-              <a:t>7/10/2019</a:t>
+              <a:t>2/24/2020</a:t>
             </a:fld>
             <a:endParaRPr lang="en-US" dirty="0"/>
           </a:p>
@@ -5542,7 +5542,7 @@
                   <a:prstClr val="black"/>
                 </a:solidFill>
               </a:rPr>
-              <a:t>7/10/2019 3:36 PM</a:t>
+              <a:t>2/24/2020 6:24 PM</a:t>
             </a:fld>
             <a:endParaRPr lang="en-US" dirty="0">
               <a:solidFill>
@@ -20525,7 +20525,7 @@
                 </a:solidFill>
                 <a:cs typeface="Segoe UI" panose="020B0502040204020203" pitchFamily="34" charset="0"/>
               </a:rPr>
-              <a:t>Preferred solution</a:t>
+              <a:t>Preferred solution - 2</a:t>
             </a:r>
             <a:br>
               <a:rPr lang="en-US" dirty="0">
@@ -20764,7 +20764,7 @@
                 </a:solidFill>
                 <a:cs typeface="Segoe UI" panose="020B0502040204020203" pitchFamily="34" charset="0"/>
               </a:rPr>
-              <a:t>Preferred solution</a:t>
+              <a:t>Preferred solution - 3</a:t>
             </a:r>
             <a:br>
               <a:rPr lang="en-US" dirty="0">
@@ -21810,7 +21810,7 @@
                 </a:solidFill>
                 <a:cs typeface="Segoe UI" panose="020B0502040204020203" pitchFamily="34" charset="0"/>
               </a:rPr>
-              <a:t>Preferred solution</a:t>
+              <a:t>Preferred solution - 4</a:t>
             </a:r>
             <a:br>
               <a:rPr lang="en-US" dirty="0">
@@ -22321,7 +22321,7 @@
                 </a:solidFill>
                 <a:cs typeface="Segoe UI" panose="020B0502040204020203" pitchFamily="34" charset="0"/>
               </a:rPr>
-              <a:t>Preferred solution</a:t>
+              <a:t>Preferred solution - 5</a:t>
             </a:r>
             <a:br>
               <a:rPr lang="en-US" dirty="0">
@@ -22613,7 +22613,7 @@
                 </a:solidFill>
                 <a:cs typeface="Segoe UI" panose="020B0502040204020203" pitchFamily="34" charset="0"/>
               </a:rPr>
-              <a:t>Preferred solution</a:t>
+              <a:t>Preferred solution - 6</a:t>
             </a:r>
             <a:br>
               <a:rPr lang="en-US" dirty="0">
@@ -23185,7 +23185,7 @@
                 </a:solidFill>
                 <a:cs typeface="Segoe UI" panose="020B0502040204020203" pitchFamily="34" charset="0"/>
               </a:rPr>
-              <a:t>Preferred solution</a:t>
+              <a:t>Preferred solution - 7</a:t>
             </a:r>
             <a:br>
               <a:rPr lang="en-US" dirty="0">
@@ -23524,7 +23524,7 @@
                 </a:solidFill>
                 <a:cs typeface="Segoe UI" panose="020B0502040204020203" pitchFamily="34" charset="0"/>
               </a:rPr>
-              <a:t>Preferred solution</a:t>
+              <a:t>Preferred solution - 8</a:t>
             </a:r>
             <a:br>
               <a:rPr lang="en-US" dirty="0">
@@ -23988,7 +23988,7 @@
                 </a:solidFill>
                 <a:cs typeface="Segoe UI" panose="020B0502040204020203" pitchFamily="34" charset="0"/>
               </a:rPr>
-              <a:t>Preferred solution</a:t>
+              <a:t>Preferred solution - 9</a:t>
             </a:r>
             <a:br>
               <a:rPr lang="en-US" dirty="0">
@@ -24286,7 +24286,7 @@
                 </a:solidFill>
                 <a:cs typeface="Segoe UI" panose="020B0502040204020203" pitchFamily="34" charset="0"/>
               </a:rPr>
-              <a:t>Preferred solution</a:t>
+              <a:t>Preferred solution - 10</a:t>
             </a:r>
             <a:br>
               <a:rPr lang="en-US" dirty="0">
@@ -24307,7 +24307,13 @@
       </p:sp>
       <p:sp>
         <p:nvSpPr>
-          <p:cNvPr id="3" name="Content Placeholder 2" descr="Document Database icon" title="Document Database icon"/>
+          <p:cNvPr id="3" name="Content Placeholder 2" descr="Document Database icon&#10;&#10;Document Database icon">
+            <a:extLst>
+              <a:ext uri="{C183D7F6-B498-43B3-948B-1728B52AA6E4}">
+                <adec:decorative xmlns:adec="http://schemas.microsoft.com/office/drawing/2017/decorative" val="0"/>
+              </a:ext>
+            </a:extLst>
+          </p:cNvPr>
           <p:cNvSpPr>
             <a:spLocks noGrp="1"/>
           </p:cNvSpPr>
@@ -24446,10 +24452,13 @@
       </p:sp>
       <p:pic>
         <p:nvPicPr>
-          <p:cNvPr id="6" name="Graphic 5" descr="Azure Databricks logo">
+          <p:cNvPr id="6" name="Graphic 5">
             <a:extLst>
               <a:ext uri="{FF2B5EF4-FFF2-40B4-BE49-F238E27FC236}">
                 <a16:creationId xmlns:a16="http://schemas.microsoft.com/office/drawing/2014/main" id="{ADE7B75F-8B7A-465C-AEE7-26C3F5FCCEB8}"/>
+              </a:ext>
+              <a:ext uri="{C183D7F6-B498-43B3-948B-1728B52AA6E4}">
+                <adec:decorative xmlns:adec="http://schemas.microsoft.com/office/drawing/2017/decorative" val="1"/>
               </a:ext>
             </a:extLst>
           </p:cNvPr>
@@ -24487,6 +24496,9 @@
               <a:ext uri="{FF2B5EF4-FFF2-40B4-BE49-F238E27FC236}">
                 <a16:creationId xmlns:a16="http://schemas.microsoft.com/office/drawing/2014/main" id="{89B6CBC9-5997-4E47-889D-4EDCB9E5A9B0}"/>
               </a:ext>
+              <a:ext uri="{C183D7F6-B498-43B3-948B-1728B52AA6E4}">
+                <adec:decorative xmlns:adec="http://schemas.microsoft.com/office/drawing/2017/decorative" val="1"/>
+              </a:ext>
             </a:extLst>
           </p:cNvPr>
           <p:cNvSpPr txBox="1"/>
@@ -24537,10 +24549,13 @@
       </p:sp>
       <p:pic>
         <p:nvPicPr>
-          <p:cNvPr id="9222" name="Picture 6" descr="Apache Spark logo">
+          <p:cNvPr id="9222" name="Picture 6">
             <a:extLst>
               <a:ext uri="{FF2B5EF4-FFF2-40B4-BE49-F238E27FC236}">
                 <a16:creationId xmlns:a16="http://schemas.microsoft.com/office/drawing/2014/main" id="{2D3B94E4-44B2-47DC-9398-2C1FBCF0175C}"/>
+              </a:ext>
+              <a:ext uri="{C183D7F6-B498-43B3-948B-1728B52AA6E4}">
+                <adec:decorative xmlns:adec="http://schemas.microsoft.com/office/drawing/2017/decorative" val="1"/>
               </a:ext>
             </a:extLst>
           </p:cNvPr>
@@ -24644,7 +24659,7 @@
                 </a:solidFill>
                 <a:cs typeface="Segoe UI" panose="020B0502040204020203" pitchFamily="34" charset="0"/>
               </a:rPr>
-              <a:t>Preferred solution</a:t>
+              <a:t>Preferred solution - 11</a:t>
             </a:r>
             <a:br>
               <a:rPr lang="en-US" dirty="0">
@@ -24827,10 +24842,13 @@
       </p:sp>
       <p:pic>
         <p:nvPicPr>
-          <p:cNvPr id="6" name="Graphic 5" descr="Azure Databricks logo">
+          <p:cNvPr id="6" name="Graphic 5">
             <a:extLst>
               <a:ext uri="{FF2B5EF4-FFF2-40B4-BE49-F238E27FC236}">
                 <a16:creationId xmlns:a16="http://schemas.microsoft.com/office/drawing/2014/main" id="{ADE7B75F-8B7A-465C-AEE7-26C3F5FCCEB8}"/>
+              </a:ext>
+              <a:ext uri="{C183D7F6-B498-43B3-948B-1728B52AA6E4}">
+                <adec:decorative xmlns:adec="http://schemas.microsoft.com/office/drawing/2017/decorative" val="1"/>
               </a:ext>
             </a:extLst>
           </p:cNvPr>
@@ -24868,6 +24886,9 @@
               <a:ext uri="{FF2B5EF4-FFF2-40B4-BE49-F238E27FC236}">
                 <a16:creationId xmlns:a16="http://schemas.microsoft.com/office/drawing/2014/main" id="{89B6CBC9-5997-4E47-889D-4EDCB9E5A9B0}"/>
               </a:ext>
+              <a:ext uri="{C183D7F6-B498-43B3-948B-1728B52AA6E4}">
+                <adec:decorative xmlns:adec="http://schemas.microsoft.com/office/drawing/2017/decorative" val="1"/>
+              </a:ext>
             </a:extLst>
           </p:cNvPr>
           <p:cNvSpPr txBox="1"/>
@@ -24918,10 +24939,13 @@
       </p:sp>
       <p:pic>
         <p:nvPicPr>
-          <p:cNvPr id="9222" name="Picture 6" descr="Apache Spark logo">
+          <p:cNvPr id="9222" name="Picture 6">
             <a:extLst>
               <a:ext uri="{FF2B5EF4-FFF2-40B4-BE49-F238E27FC236}">
                 <a16:creationId xmlns:a16="http://schemas.microsoft.com/office/drawing/2014/main" id="{2D3B94E4-44B2-47DC-9398-2C1FBCF0175C}"/>
+              </a:ext>
+              <a:ext uri="{C183D7F6-B498-43B3-948B-1728B52AA6E4}">
+                <adec:decorative xmlns:adec="http://schemas.microsoft.com/office/drawing/2017/decorative" val="1"/>
               </a:ext>
             </a:extLst>
           </p:cNvPr>
@@ -24965,10 +24989,13 @@
       </p:pic>
       <p:pic>
         <p:nvPicPr>
-          <p:cNvPr id="7" name="Graphic 6" descr="Azure Key Vault logo">
+          <p:cNvPr id="7" name="Graphic 6">
             <a:extLst>
               <a:ext uri="{FF2B5EF4-FFF2-40B4-BE49-F238E27FC236}">
                 <a16:creationId xmlns:a16="http://schemas.microsoft.com/office/drawing/2014/main" id="{AB9D60F0-DBD6-4E9E-A5E4-3B3B79B92894}"/>
+              </a:ext>
+              <a:ext uri="{C183D7F6-B498-43B3-948B-1728B52AA6E4}">
+                <adec:decorative xmlns:adec="http://schemas.microsoft.com/office/drawing/2017/decorative" val="1"/>
               </a:ext>
             </a:extLst>
           </p:cNvPr>
@@ -25008,6 +25035,9 @@
             <a:extLst>
               <a:ext uri="{FF2B5EF4-FFF2-40B4-BE49-F238E27FC236}">
                 <a16:creationId xmlns:a16="http://schemas.microsoft.com/office/drawing/2014/main" id="{EE8492D4-B8B9-46D7-8872-79E7F5255C70}"/>
+              </a:ext>
+              <a:ext uri="{C183D7F6-B498-43B3-948B-1728B52AA6E4}">
+                <adec:decorative xmlns:adec="http://schemas.microsoft.com/office/drawing/2017/decorative" val="1"/>
               </a:ext>
             </a:extLst>
           </p:cNvPr>
@@ -25119,7 +25149,7 @@
                 </a:solidFill>
                 <a:cs typeface="Segoe UI" panose="020B0502040204020203" pitchFamily="34" charset="0"/>
               </a:rPr>
-              <a:t>Preferred solution</a:t>
+              <a:t>Preferred solution - 12</a:t>
             </a:r>
             <a:br>
               <a:rPr lang="en-US" dirty="0">
@@ -25376,7 +25406,7 @@
                 </a:solidFill>
                 <a:cs typeface="Segoe UI" panose="020B0502040204020203" pitchFamily="34" charset="0"/>
               </a:rPr>
-              <a:t>Preferred solution</a:t>
+              <a:t>Preferred solution -13</a:t>
             </a:r>
             <a:br>
               <a:rPr lang="en-US" dirty="0">
@@ -26076,7 +26106,7 @@
                 </a:solidFill>
                 <a:cs typeface="Segoe UI" panose="020B0502040204020203" pitchFamily="34" charset="0"/>
               </a:rPr>
-              <a:t>Preferred objections handling</a:t>
+              <a:t>Preferred objections handling - 2</a:t>
             </a:r>
             <a:br>
               <a:rPr lang="en-US" dirty="0">
@@ -26319,7 +26349,7 @@
                 </a:solidFill>
                 <a:cs typeface="Segoe UI" panose="020B0502040204020203" pitchFamily="34" charset="0"/>
               </a:rPr>
-              <a:t>Preferred objections handling</a:t>
+              <a:t>Preferred objections handling - 3</a:t>
             </a:r>
             <a:br>
               <a:rPr lang="en-US" dirty="0">
@@ -26541,7 +26571,7 @@
                 </a:solidFill>
                 <a:cs typeface="Segoe UI" panose="020B0502040204020203" pitchFamily="34" charset="0"/>
               </a:rPr>
-              <a:t>Preferred objections handling</a:t>
+              <a:t>Preferred objections handling - 4</a:t>
             </a:r>
             <a:br>
               <a:rPr lang="en-US" dirty="0">
@@ -27170,7 +27200,7 @@
                 </a:solidFill>
                 <a:cs typeface="Segoe UI" panose="020B0502040204020203" pitchFamily="34" charset="0"/>
               </a:rPr>
-              <a:t>Customer situation</a:t>
+              <a:t>Customer situation - 2</a:t>
             </a:r>
             <a:br>
               <a:rPr lang="en-US" dirty="0">
@@ -27336,7 +27366,7 @@
                 </a:solidFill>
                 <a:cs typeface="Segoe UI" panose="020B0502040204020203" pitchFamily="34" charset="0"/>
               </a:rPr>
-              <a:t>Customer situation</a:t>
+              <a:t>Customer situation - 3</a:t>
             </a:r>
             <a:br>
               <a:rPr lang="en-US" dirty="0">
@@ -27646,7 +27676,7 @@
                 </a:solidFill>
                 <a:cs typeface="Segoe UI" panose="020B0502040204020203" pitchFamily="34" charset="0"/>
               </a:rPr>
-              <a:t>Customer situation</a:t>
+              <a:t>Customer situation - 4</a:t>
             </a:r>
             <a:br>
               <a:rPr lang="en-US" dirty="0">
@@ -28016,6 +28046,41 @@
       </p:grpSpPr>
       <p:sp>
         <p:nvSpPr>
+          <p:cNvPr id="2" name="Title 1"/>
+          <p:cNvSpPr>
+            <a:spLocks noGrp="1"/>
+          </p:cNvSpPr>
+          <p:nvPr>
+            <p:ph type="title"/>
+          </p:nvPr>
+        </p:nvSpPr>
+        <p:spPr/>
+        <p:txBody>
+          <a:bodyPr>
+            <a:normAutofit/>
+          </a:bodyPr>
+          <a:lstStyle/>
+          <a:p>
+            <a:r>
+              <a:rPr lang="en-US" sz="4900" dirty="0">
+                <a:solidFill>
+                  <a:schemeClr val="tx1"/>
+                </a:solidFill>
+                <a:cs typeface="Segoe UI" panose="020B0502040204020203" pitchFamily="34" charset="0"/>
+              </a:rPr>
+              <a:t>Customer needs - 2</a:t>
+            </a:r>
+            <a:endParaRPr lang="en-US" sz="3236" dirty="0">
+              <a:solidFill>
+                <a:schemeClr val="tx1"/>
+              </a:solidFill>
+              <a:latin typeface="Segoe UI" panose="020B0502040204020203" pitchFamily="34" charset="0"/>
+            </a:endParaRPr>
+          </a:p>
+        </p:txBody>
+      </p:sp>
+      <p:sp>
+        <p:nvSpPr>
           <p:cNvPr id="3" name="Content Placeholder 2"/>
           <p:cNvSpPr>
             <a:spLocks noGrp="1"/>
@@ -28056,49 +28121,6 @@
               </a:rPr>
               <a:t>Simple way to create powerful reports with advanced visualizations</a:t>
             </a:r>
-          </a:p>
-        </p:txBody>
-      </p:sp>
-      <p:sp>
-        <p:nvSpPr>
-          <p:cNvPr id="2" name="Title 1"/>
-          <p:cNvSpPr>
-            <a:spLocks noGrp="1"/>
-          </p:cNvSpPr>
-          <p:nvPr>
-            <p:ph type="title"/>
-          </p:nvPr>
-        </p:nvSpPr>
-        <p:spPr/>
-        <p:txBody>
-          <a:bodyPr>
-            <a:normAutofit fontScale="90000"/>
-          </a:bodyPr>
-          <a:lstStyle/>
-          <a:p>
-            <a:r>
-              <a:rPr lang="en-US" sz="4900" dirty="0">
-                <a:solidFill>
-                  <a:schemeClr val="tx1"/>
-                </a:solidFill>
-                <a:cs typeface="Segoe UI" panose="020B0502040204020203" pitchFamily="34" charset="0"/>
-              </a:rPr>
-              <a:t>Customer needs</a:t>
-            </a:r>
-            <a:br>
-              <a:rPr lang="en-US" dirty="0">
-                <a:solidFill>
-                  <a:schemeClr val="tx1"/>
-                </a:solidFill>
-                <a:latin typeface="Segoe UI" panose="020B0502040204020203" pitchFamily="34" charset="0"/>
-              </a:rPr>
-            </a:br>
-            <a:endParaRPr lang="en-US" sz="3236" dirty="0">
-              <a:solidFill>
-                <a:schemeClr val="tx1"/>
-              </a:solidFill>
-              <a:latin typeface="Segoe UI" panose="020B0502040204020203" pitchFamily="34" charset="0"/>
-            </a:endParaRPr>
           </a:p>
         </p:txBody>
       </p:sp>
@@ -28989,15 +29011,6 @@
 </file>
 
 <file path=customXml/item1.xml><?xml version="1.0" encoding="utf-8"?>
-<p:properties xmlns:p="http://schemas.microsoft.com/office/2006/metadata/properties" xmlns:xsi="http://www.w3.org/2001/XMLSchema-instance" xmlns:pc="http://schemas.microsoft.com/office/infopath/2007/PartnerControls">
-  <documentManagement>
-    <_ip_UnifiedCompliancePolicyUIAction xmlns="http://schemas.microsoft.com/sharepoint/v3" xsi:nil="true"/>
-    <_ip_UnifiedCompliancePolicyProperties xmlns="http://schemas.microsoft.com/sharepoint/v3" xsi:nil="true"/>
-  </documentManagement>
-</p:properties>
-</file>
-
-<file path=customXml/item2.xml><?xml version="1.0" encoding="utf-8"?>
 <ct:contentTypeSchema xmlns:ct="http://schemas.microsoft.com/office/2006/metadata/contentType" xmlns:ma="http://schemas.microsoft.com/office/2006/metadata/properties/metaAttributes" ct:_="" ma:_="" ma:contentTypeName="Document" ma:contentTypeID="0x010100D15DFA3690A15B4081582BBCC6BEAC3E" ma:contentTypeVersion="9" ma:contentTypeDescription="Create a new document." ma:contentTypeScope="" ma:versionID="642da1784587cbe85a7fdbbe4dc36103">
   <xsd:schema xmlns:xsd="http://www.w3.org/2001/XMLSchema" xmlns:xs="http://www.w3.org/2001/XMLSchema" xmlns:p="http://schemas.microsoft.com/office/2006/metadata/properties" xmlns:ns1="http://schemas.microsoft.com/sharepoint/v3" xmlns:ns2="2023ac63-7b75-4916-a9ee-591457758eee" xmlns:ns3="d9c797ad-d7c3-4982-82b7-81352a75e4a5" targetNamespace="http://schemas.microsoft.com/office/2006/metadata/properties" ma:root="true" ma:fieldsID="91198b0246576053cc55dd2c67035a89" ns1:_="" ns2:_="" ns3:_="">
     <xsd:import namespace="http://schemas.microsoft.com/sharepoint/v3"/>
@@ -29199,6 +29212,15 @@
 </ct:contentTypeSchema>
 </file>
 
+<file path=customXml/item2.xml><?xml version="1.0" encoding="utf-8"?>
+<p:properties xmlns:p="http://schemas.microsoft.com/office/2006/metadata/properties" xmlns:xsi="http://www.w3.org/2001/XMLSchema-instance" xmlns:pc="http://schemas.microsoft.com/office/infopath/2007/PartnerControls">
+  <documentManagement>
+    <_ip_UnifiedCompliancePolicyUIAction xmlns="http://schemas.microsoft.com/sharepoint/v3" xsi:nil="true"/>
+    <_ip_UnifiedCompliancePolicyProperties xmlns="http://schemas.microsoft.com/sharepoint/v3" xsi:nil="true"/>
+  </documentManagement>
+</p:properties>
+</file>
+
 <file path=customXml/item3.xml><?xml version="1.0" encoding="utf-8"?>
 <?mso-contentType ?>
 <FormTemplates xmlns="http://schemas.microsoft.com/sharepoint/v3/contenttype/forms">
@@ -29209,24 +29231,6 @@
 </file>
 
 <file path=customXml/itemProps1.xml><?xml version="1.0" encoding="utf-8"?>
-<ds:datastoreItem xmlns:ds="http://schemas.openxmlformats.org/officeDocument/2006/customXml" ds:itemID="{BAF7D529-36AB-45DA-B239-2F912F2D1610}">
-  <ds:schemaRefs>
-    <ds:schemaRef ds:uri="http://purl.org/dc/elements/1.1/"/>
-    <ds:schemaRef ds:uri="http://schemas.openxmlformats.org/package/2006/metadata/core-properties"/>
-    <ds:schemaRef ds:uri="http://schemas.microsoft.com/office/2006/metadata/properties"/>
-    <ds:schemaRef ds:uri="http://purl.org/dc/terms/"/>
-    <ds:schemaRef ds:uri="http://schemas.microsoft.com/sharepoint/v3"/>
-    <ds:schemaRef ds:uri="http://schemas.microsoft.com/office/2006/documentManagement/types"/>
-    <ds:schemaRef ds:uri="http://schemas.microsoft.com/office/infopath/2007/PartnerControls"/>
-    <ds:schemaRef ds:uri="d9c797ad-d7c3-4982-82b7-81352a75e4a5"/>
-    <ds:schemaRef ds:uri="2023ac63-7b75-4916-a9ee-591457758eee"/>
-    <ds:schemaRef ds:uri="http://www.w3.org/XML/1998/namespace"/>
-    <ds:schemaRef ds:uri="http://purl.org/dc/dcmitype/"/>
-  </ds:schemaRefs>
-</ds:datastoreItem>
-</file>
-
-<file path=customXml/itemProps2.xml><?xml version="1.0" encoding="utf-8"?>
 <ds:datastoreItem xmlns:ds="http://schemas.openxmlformats.org/officeDocument/2006/customXml" ds:itemID="{255F5BEB-6AD6-480A-8556-C80C5EBC10F2}">
   <ds:schemaRefs>
     <ds:schemaRef ds:uri="http://schemas.microsoft.com/office/2006/metadata/contentType"/>
@@ -29246,6 +29250,24 @@
 </ds:datastoreItem>
 </file>
 
+<file path=customXml/itemProps2.xml><?xml version="1.0" encoding="utf-8"?>
+<ds:datastoreItem xmlns:ds="http://schemas.openxmlformats.org/officeDocument/2006/customXml" ds:itemID="{BAF7D529-36AB-45DA-B239-2F912F2D1610}">
+  <ds:schemaRefs>
+    <ds:schemaRef ds:uri="http://purl.org/dc/elements/1.1/"/>
+    <ds:schemaRef ds:uri="http://schemas.openxmlformats.org/package/2006/metadata/core-properties"/>
+    <ds:schemaRef ds:uri="http://schemas.microsoft.com/office/2006/metadata/properties"/>
+    <ds:schemaRef ds:uri="http://purl.org/dc/terms/"/>
+    <ds:schemaRef ds:uri="http://schemas.microsoft.com/sharepoint/v3"/>
+    <ds:schemaRef ds:uri="http://schemas.microsoft.com/office/2006/documentManagement/types"/>
+    <ds:schemaRef ds:uri="http://schemas.microsoft.com/office/infopath/2007/PartnerControls"/>
+    <ds:schemaRef ds:uri="d9c797ad-d7c3-4982-82b7-81352a75e4a5"/>
+    <ds:schemaRef ds:uri="2023ac63-7b75-4916-a9ee-591457758eee"/>
+    <ds:schemaRef ds:uri="http://www.w3.org/XML/1998/namespace"/>
+    <ds:schemaRef ds:uri="http://purl.org/dc/dcmitype/"/>
+  </ds:schemaRefs>
+</ds:datastoreItem>
+</file>
+
 <file path=customXml/itemProps3.xml><?xml version="1.0" encoding="utf-8"?>
 <ds:datastoreItem xmlns:ds="http://schemas.openxmlformats.org/officeDocument/2006/customXml" ds:itemID="{F18501AF-04CF-4482-BAE1-607B49DDC378}">
   <ds:schemaRefs>
